--- a/Presentation/healthhack-ROTATION ROSTER PORTAL final.pptx
+++ b/Presentation/healthhack-ROTATION ROSTER PORTAL final.pptx
@@ -5,16 +5,15 @@
     <p:sldMasterId id="2147483912" r:id="rId1"/>
   </p:sldMasterIdLst>
   <p:notesMasterIdLst>
-    <p:notesMasterId r:id="rId9"/>
+    <p:notesMasterId r:id="rId8"/>
   </p:notesMasterIdLst>
   <p:sldIdLst>
     <p:sldId id="256" r:id="rId2"/>
     <p:sldId id="257" r:id="rId3"/>
     <p:sldId id="258" r:id="rId4"/>
     <p:sldId id="262" r:id="rId5"/>
-    <p:sldId id="260" r:id="rId6"/>
-    <p:sldId id="259" r:id="rId7"/>
-    <p:sldId id="261" r:id="rId8"/>
+    <p:sldId id="259" r:id="rId6"/>
+    <p:sldId id="261" r:id="rId7"/>
   </p:sldIdLst>
   <p:sldSz cx="9144000" cy="5715000" type="screen16x10"/>
   <p:notesSz cx="6858000" cy="9144000"/>
@@ -940,7 +939,97 @@
           <a:p>
             <a:r>
               <a:rPr lang="en-US" dirty="0" smtClean="0"/>
-              <a:t>45 seconds</a:t>
+              <a:t>45 </a:t>
+            </a:r>
+            <a:r>
+              <a:rPr lang="en-US" dirty="0" smtClean="0"/>
+              <a:t>seconds</a:t>
+            </a:r>
+          </a:p>
+          <a:p>
+            <a:pPr marL="228600" indent="-228600">
+              <a:buAutoNum type="arabicPeriod"/>
+            </a:pPr>
+            <a:r>
+              <a:rPr lang="en-US" dirty="0" smtClean="0"/>
+              <a:t>log in</a:t>
+            </a:r>
+          </a:p>
+          <a:p>
+            <a:pPr marL="228600" indent="-228600">
+              <a:buAutoNum type="arabicPeriod"/>
+            </a:pPr>
+            <a:endParaRPr lang="en-US" dirty="0" smtClean="0"/>
+          </a:p>
+          <a:p>
+            <a:pPr marL="228600" indent="-228600">
+              <a:buAutoNum type="arabicPeriod"/>
+            </a:pPr>
+            <a:r>
+              <a:rPr lang="en-US" dirty="0" smtClean="0"/>
+              <a:t>Roster generated</a:t>
+            </a:r>
+            <a:r>
+              <a:rPr lang="en-US" baseline="0" dirty="0" smtClean="0"/>
+              <a:t> by selecting Venue and AM/PM SESSION</a:t>
+            </a:r>
+          </a:p>
+          <a:p>
+            <a:pPr marL="228600" indent="-228600">
+              <a:buAutoNum type="arabicPeriod"/>
+            </a:pPr>
+            <a:r>
+              <a:rPr lang="en-US" baseline="0" dirty="0" smtClean="0"/>
+              <a:t>The portal will be populate with the final roster</a:t>
+            </a:r>
+          </a:p>
+          <a:p>
+            <a:pPr marL="228600" indent="-228600">
+              <a:buAutoNum type="arabicPeriod"/>
+            </a:pPr>
+            <a:r>
+              <a:rPr lang="en-US" baseline="0" dirty="0" smtClean="0"/>
+              <a:t>there is and edit function to replace fields or add colors</a:t>
+            </a:r>
+          </a:p>
+          <a:p>
+            <a:pPr marL="228600" indent="-228600">
+              <a:buAutoNum type="arabicPeriod"/>
+            </a:pPr>
+            <a:r>
+              <a:rPr lang="en-US" baseline="0" dirty="0" smtClean="0"/>
+              <a:t>Then the candidate view and</a:t>
+            </a:r>
+          </a:p>
+          <a:p>
+            <a:pPr marL="228600" indent="-228600">
+              <a:buAutoNum type="arabicPeriod"/>
+            </a:pPr>
+            <a:r>
+              <a:rPr lang="en-US" baseline="0" dirty="0" smtClean="0"/>
+              <a:t> the examiner view</a:t>
+            </a:r>
+          </a:p>
+          <a:p>
+            <a:pPr marL="228600" indent="-228600">
+              <a:buAutoNum type="arabicPeriod"/>
+            </a:pPr>
+            <a:r>
+              <a:rPr lang="en-US" baseline="0" dirty="0" smtClean="0"/>
+              <a:t>printing capabilities by selecting locations</a:t>
+            </a:r>
+          </a:p>
+          <a:p>
+            <a:pPr marL="228600" indent="-228600">
+              <a:buAutoNum type="arabicPeriod"/>
+            </a:pPr>
+            <a:r>
+              <a:rPr lang="en-US" baseline="0" dirty="0" smtClean="0"/>
+              <a:t>resources center to download templates and forms</a:t>
+            </a:r>
+            <a:r>
+              <a:rPr lang="en-US" dirty="0" smtClean="0"/>
+              <a:t> </a:t>
             </a:r>
             <a:endParaRPr lang="en-US" dirty="0"/>
           </a:p>
@@ -1028,12 +1117,47 @@
           <a:p>
             <a:r>
               <a:rPr lang="en-US" dirty="0" smtClean="0"/>
-              <a:t>Play</a:t>
+              <a:t>20 seconds</a:t>
+            </a:r>
+          </a:p>
+          <a:p>
+            <a:endParaRPr lang="en-US" dirty="0" smtClean="0"/>
+          </a:p>
+          <a:p>
+            <a:r>
+              <a:rPr lang="en-US" dirty="0" smtClean="0"/>
+              <a:t>LIMITATIONS</a:t>
             </a:r>
             <a:r>
               <a:rPr lang="en-US" baseline="0" dirty="0" smtClean="0"/>
-              <a:t> demo. 45 seconds</a:t>
-            </a:r>
+              <a:t> </a:t>
+            </a:r>
+            <a:endParaRPr lang="en-US" dirty="0" smtClean="0"/>
+          </a:p>
+          <a:p>
+            <a:r>
+              <a:rPr lang="en-US" dirty="0" smtClean="0"/>
+              <a:t/>
+            </a:r>
+            <a:br>
+              <a:rPr lang="en-US" dirty="0" smtClean="0"/>
+            </a:br>
+            <a:r>
+              <a:rPr lang="en-US" dirty="0" smtClean="0"/>
+              <a:t>not enough time to have flexibility</a:t>
+            </a:r>
+            <a:r>
+              <a:rPr lang="en-US" baseline="0" dirty="0" smtClean="0"/>
+              <a:t> for more functionalities</a:t>
+            </a:r>
+          </a:p>
+          <a:p>
+            <a:endParaRPr lang="en-US" baseline="0" dirty="0" smtClean="0"/>
+          </a:p>
+          <a:p>
+            <a:pPr marL="228600" indent="-228600">
+              <a:buAutoNum type="arabicPeriod"/>
+            </a:pPr>
             <a:endParaRPr lang="en-US" dirty="0"/>
           </a:p>
         </p:txBody>
@@ -1064,7 +1188,7 @@
     </p:spTree>
     <p:extLst>
       <p:ext uri="{BB962C8B-B14F-4D97-AF65-F5344CB8AC3E}">
-        <p14:creationId xmlns:p14="http://schemas.microsoft.com/office/powerpoint/2010/main" val="2962849270"/>
+        <p14:creationId xmlns:p14="http://schemas.microsoft.com/office/powerpoint/2010/main" val="179516169"/>
       </p:ext>
     </p:extLst>
   </p:cSld>
@@ -1120,47 +1244,8 @@
           <a:p>
             <a:r>
               <a:rPr lang="en-US" dirty="0" smtClean="0"/>
-              <a:t>20 seconds</a:t>
-            </a:r>
-          </a:p>
-          <a:p>
-            <a:endParaRPr lang="en-US" dirty="0" smtClean="0"/>
-          </a:p>
-          <a:p>
-            <a:r>
-              <a:rPr lang="en-US" dirty="0" smtClean="0"/>
-              <a:t>LIMITATIONS</a:t>
-            </a:r>
-            <a:r>
-              <a:rPr lang="en-US" baseline="0" dirty="0" smtClean="0"/>
-              <a:t> </a:t>
-            </a:r>
-            <a:endParaRPr lang="en-US" dirty="0" smtClean="0"/>
-          </a:p>
-          <a:p>
-            <a:r>
-              <a:rPr lang="en-US" dirty="0" smtClean="0"/>
-              <a:t/>
-            </a:r>
-            <a:br>
-              <a:rPr lang="en-US" dirty="0" smtClean="0"/>
-            </a:br>
-            <a:r>
-              <a:rPr lang="en-US" dirty="0" smtClean="0"/>
-              <a:t>not enough time to have flexibility</a:t>
-            </a:r>
-            <a:r>
-              <a:rPr lang="en-US" baseline="0" dirty="0" smtClean="0"/>
-              <a:t> for more functionalities</a:t>
-            </a:r>
-          </a:p>
-          <a:p>
-            <a:endParaRPr lang="en-US" baseline="0" dirty="0" smtClean="0"/>
-          </a:p>
-          <a:p>
-            <a:pPr marL="228600" indent="-228600">
-              <a:buAutoNum type="arabicPeriod"/>
-            </a:pPr>
+              <a:t>5 seconds</a:t>
+            </a:r>
             <a:endParaRPr lang="en-US" dirty="0"/>
           </a:p>
         </p:txBody>
@@ -1183,94 +1268,6 @@
             <a:fld id="{9D7DB162-471A-404E-8686-CF4F8FBEB895}" type="slidenum">
               <a:rPr lang="en-US" smtClean="0"/>
               <a:t>6</a:t>
-            </a:fld>
-            <a:endParaRPr lang="en-US"/>
-          </a:p>
-        </p:txBody>
-      </p:sp>
-    </p:spTree>
-    <p:extLst>
-      <p:ext uri="{BB962C8B-B14F-4D97-AF65-F5344CB8AC3E}">
-        <p14:creationId xmlns:p14="http://schemas.microsoft.com/office/powerpoint/2010/main" val="179516169"/>
-      </p:ext>
-    </p:extLst>
-  </p:cSld>
-  <p:clrMapOvr>
-    <a:masterClrMapping/>
-  </p:clrMapOvr>
-</p:notes>
-</file>
-
-<file path=ppt/notesSlides/notesSlide7.xml><?xml version="1.0" encoding="utf-8"?>
-<p:notes xmlns:a="http://schemas.openxmlformats.org/drawingml/2006/main" xmlns:r="http://schemas.openxmlformats.org/officeDocument/2006/relationships" xmlns:p="http://schemas.openxmlformats.org/presentationml/2006/main">
-  <p:cSld>
-    <p:spTree>
-      <p:nvGrpSpPr>
-        <p:cNvPr id="1" name=""/>
-        <p:cNvGrpSpPr/>
-        <p:nvPr/>
-      </p:nvGrpSpPr>
-      <p:grpSpPr>
-        <a:xfrm>
-          <a:off x="0" y="0"/>
-          <a:ext cx="0" cy="0"/>
-          <a:chOff x="0" y="0"/>
-          <a:chExt cx="0" cy="0"/>
-        </a:xfrm>
-      </p:grpSpPr>
-      <p:sp>
-        <p:nvSpPr>
-          <p:cNvPr id="2" name="Slide Image Placeholder 1"/>
-          <p:cNvSpPr>
-            <a:spLocks noGrp="1" noRot="1" noChangeAspect="1"/>
-          </p:cNvSpPr>
-          <p:nvPr>
-            <p:ph type="sldImg"/>
-          </p:nvPr>
-        </p:nvSpPr>
-        <p:spPr/>
-      </p:sp>
-      <p:sp>
-        <p:nvSpPr>
-          <p:cNvPr id="3" name="Notes Placeholder 2"/>
-          <p:cNvSpPr>
-            <a:spLocks noGrp="1"/>
-          </p:cNvSpPr>
-          <p:nvPr>
-            <p:ph type="body" idx="1"/>
-          </p:nvPr>
-        </p:nvSpPr>
-        <p:spPr/>
-        <p:txBody>
-          <a:bodyPr/>
-          <a:lstStyle/>
-          <a:p>
-            <a:r>
-              <a:rPr lang="en-US" dirty="0" smtClean="0"/>
-              <a:t>5 seconds</a:t>
-            </a:r>
-            <a:endParaRPr lang="en-US" dirty="0"/>
-          </a:p>
-        </p:txBody>
-      </p:sp>
-      <p:sp>
-        <p:nvSpPr>
-          <p:cNvPr id="4" name="Slide Number Placeholder 3"/>
-          <p:cNvSpPr>
-            <a:spLocks noGrp="1"/>
-          </p:cNvSpPr>
-          <p:nvPr>
-            <p:ph type="sldNum" sz="quarter" idx="10"/>
-          </p:nvPr>
-        </p:nvSpPr>
-        <p:spPr/>
-        <p:txBody>
-          <a:bodyPr/>
-          <a:lstStyle/>
-          <a:p>
-            <a:fld id="{9D7DB162-471A-404E-8686-CF4F8FBEB895}" type="slidenum">
-              <a:rPr lang="en-US" smtClean="0"/>
-              <a:t>7</a:t>
             </a:fld>
             <a:endParaRPr lang="en-US"/>
           </a:p>
@@ -5312,141 +5309,6 @@
         </p:nvSpPr>
         <p:spPr>
           <a:xfrm>
-            <a:off x="457200" y="127265"/>
-            <a:ext cx="6805524" cy="555841"/>
-          </a:xfrm>
-        </p:spPr>
-        <p:txBody>
-          <a:bodyPr>
-            <a:normAutofit fontScale="90000"/>
-          </a:bodyPr>
-          <a:lstStyle/>
-          <a:p>
-            <a:r>
-              <a:rPr lang="en-US" dirty="0" smtClean="0"/>
-              <a:t>rotation roster portal</a:t>
-            </a:r>
-            <a:endParaRPr lang="en-US" dirty="0"/>
-          </a:p>
-        </p:txBody>
-      </p:sp>
-      <p:sp>
-        <p:nvSpPr>
-          <p:cNvPr id="4" name="TextBox 3"/>
-          <p:cNvSpPr txBox="1"/>
-          <p:nvPr/>
-        </p:nvSpPr>
-        <p:spPr>
-          <a:xfrm>
-            <a:off x="457200" y="598264"/>
-            <a:ext cx="7620000" cy="369332"/>
-          </a:xfrm>
-          <a:prstGeom prst="rect">
-            <a:avLst/>
-          </a:prstGeom>
-          <a:noFill/>
-        </p:spPr>
-        <p:txBody>
-          <a:bodyPr wrap="square" rtlCol="0">
-            <a:spAutoFit/>
-          </a:bodyPr>
-          <a:lstStyle/>
-          <a:p>
-            <a:r>
-              <a:rPr lang="en-AU" dirty="0" smtClean="0">
-                <a:solidFill>
-                  <a:srgbClr val="8C7B70"/>
-                </a:solidFill>
-              </a:rPr>
-              <a:t>Live DEMO </a:t>
-            </a:r>
-            <a:endParaRPr lang="en-US" dirty="0">
-              <a:solidFill>
-                <a:srgbClr val="8C7B70"/>
-              </a:solidFill>
-            </a:endParaRPr>
-          </a:p>
-        </p:txBody>
-      </p:sp>
-      <p:pic>
-        <p:nvPicPr>
-          <p:cNvPr id="5" name="Picture 4" descr="login-HR-complete.jpg"/>
-          <p:cNvPicPr>
-            <a:picLocks noChangeAspect="1"/>
-          </p:cNvPicPr>
-          <p:nvPr/>
-        </p:nvPicPr>
-        <p:blipFill>
-          <a:blip r:embed="rId3">
-            <a:extLst>
-              <a:ext uri="{28A0092B-C50C-407E-A947-70E740481C1C}">
-                <a14:useLocalDpi xmlns:a14="http://schemas.microsoft.com/office/drawing/2010/main" val="0"/>
-              </a:ext>
-            </a:extLst>
-          </a:blip>
-          <a:stretch>
-            <a:fillRect/>
-          </a:stretch>
-        </p:blipFill>
-        <p:spPr>
-          <a:xfrm>
-            <a:off x="2980656" y="2239305"/>
-            <a:ext cx="2386580" cy="1789935"/>
-          </a:xfrm>
-          <a:prstGeom prst="rect">
-            <a:avLst/>
-          </a:prstGeom>
-        </p:spPr>
-      </p:pic>
-    </p:spTree>
-    <p:extLst>
-      <p:ext uri="{BB962C8B-B14F-4D97-AF65-F5344CB8AC3E}">
-        <p14:creationId xmlns:p14="http://schemas.microsoft.com/office/powerpoint/2010/main" val="965075325"/>
-      </p:ext>
-    </p:extLst>
-  </p:cSld>
-  <p:clrMapOvr>
-    <a:masterClrMapping/>
-  </p:clrMapOvr>
-  <p:timing>
-    <p:tnLst>
-      <p:par>
-        <p:cTn xmlns:p14="http://schemas.microsoft.com/office/powerpoint/2010/main" id="1" dur="indefinite" restart="never" nodeType="tmRoot"/>
-      </p:par>
-    </p:tnLst>
-  </p:timing>
-</p:sld>
-</file>
-
-<file path=ppt/slides/slide6.xml><?xml version="1.0" encoding="utf-8"?>
-<p:sld xmlns:a="http://schemas.openxmlformats.org/drawingml/2006/main" xmlns:r="http://schemas.openxmlformats.org/officeDocument/2006/relationships" xmlns:p="http://schemas.openxmlformats.org/presentationml/2006/main">
-  <p:cSld>
-    <p:spTree>
-      <p:nvGrpSpPr>
-        <p:cNvPr id="1" name=""/>
-        <p:cNvGrpSpPr/>
-        <p:nvPr/>
-      </p:nvGrpSpPr>
-      <p:grpSpPr>
-        <a:xfrm>
-          <a:off x="0" y="0"/>
-          <a:ext cx="0" cy="0"/>
-          <a:chOff x="0" y="0"/>
-          <a:chExt cx="0" cy="0"/>
-        </a:xfrm>
-      </p:grpSpPr>
-      <p:sp>
-        <p:nvSpPr>
-          <p:cNvPr id="2" name="Title 1"/>
-          <p:cNvSpPr>
-            <a:spLocks noGrp="1"/>
-          </p:cNvSpPr>
-          <p:nvPr>
-            <p:ph type="title"/>
-          </p:nvPr>
-        </p:nvSpPr>
-        <p:spPr>
-          <a:xfrm>
             <a:off x="457199" y="127265"/>
             <a:ext cx="7865545" cy="555841"/>
           </a:xfrm>
@@ -5677,7 +5539,7 @@
 </p:sld>
 </file>
 
-<file path=ppt/slides/slide7.xml><?xml version="1.0" encoding="utf-8"?>
+<file path=ppt/slides/slide6.xml><?xml version="1.0" encoding="utf-8"?>
 <p:sld xmlns:a="http://schemas.openxmlformats.org/drawingml/2006/main" xmlns:r="http://schemas.openxmlformats.org/officeDocument/2006/relationships" xmlns:p="http://schemas.openxmlformats.org/presentationml/2006/main">
   <p:cSld>
     <p:spTree>
@@ -5734,7 +5596,12 @@
             <p:ph type="title"/>
           </p:nvPr>
         </p:nvSpPr>
-        <p:spPr/>
+        <p:spPr>
+          <a:xfrm>
+            <a:off x="457200" y="683106"/>
+            <a:ext cx="5791200" cy="555841"/>
+          </a:xfrm>
+        </p:spPr>
         <p:txBody>
           <a:bodyPr>
             <a:normAutofit fontScale="90000"/>
@@ -5743,7 +5610,14 @@
           <a:p>
             <a:r>
               <a:rPr lang="en-US" dirty="0" smtClean="0"/>
-              <a:t>thanks</a:t>
+              <a:t>have a look at the live demo</a:t>
+            </a:r>
+            <a:br>
+              <a:rPr lang="en-US" dirty="0" smtClean="0"/>
+            </a:br>
+            <a:r>
+              <a:rPr lang="en-US" dirty="0" smtClean="0"/>
+              <a:t>thanks!</a:t>
             </a:r>
             <a:endParaRPr lang="en-US" dirty="0"/>
           </a:p>
